--- a/apresentacoes/Aula1/Etapa2-ConceituacaoDeMemoria/Etapa2.pptx
+++ b/apresentacoes/Aula1/Etapa2-ConceituacaoDeMemoria/Etapa2.pptx
@@ -303,7 +303,7 @@
       </p15:sldGuideLst>
     </p:ext>
     <p:ext uri="http://customooxmlschemas.google.com/">
-      <go:slidesCustomData xmlns="" xmlns:mc="http://schemas.openxmlformats.org/markup-compatibility/2006" xmlns:mv="urn:schemas-microsoft-com:mac:vml" xmlns:c="http://schemas.openxmlformats.org/drawingml/2006/chart" xmlns:dgm="http://schemas.openxmlformats.org/drawingml/2006/diagram" xmlns:o="urn:schemas-microsoft-com:office:office" xmlns:v="urn:schemas-microsoft-com:vml" xmlns:pvml="urn:schemas-microsoft-com:office:powerpoint" xmlns:com="http://schemas.openxmlformats.org/drawingml/2006/compatibility" xmlns:p14="http://schemas.microsoft.com/office/powerpoint/2010/main" xmlns:p15="http://schemas.microsoft.com/office/powerpoint/2012/main" xmlns:ahyp="http://schemas.microsoft.com/office/drawing/2018/hyperlinkcolor" xmlns:go="http://customooxmlschemas.google.com/" r:id="rId34" roundtripDataSignature="AMtx7mij1fsZUe5V3lBG5qQcqOvrI5UhJw=="/>
+      <go:slidesCustomData xmlns:go="http://customooxmlschemas.google.com/" xmlns:ahyp="http://schemas.microsoft.com/office/drawing/2018/hyperlinkcolor" xmlns:p15="http://schemas.microsoft.com/office/powerpoint/2012/main" xmlns:p14="http://schemas.microsoft.com/office/powerpoint/2010/main" xmlns:com="http://schemas.openxmlformats.org/drawingml/2006/compatibility" xmlns:pvml="urn:schemas-microsoft-com:office:powerpoint" xmlns:v="urn:schemas-microsoft-com:vml" xmlns:o="urn:schemas-microsoft-com:office:office" xmlns:dgm="http://schemas.openxmlformats.org/drawingml/2006/diagram" xmlns:c="http://schemas.openxmlformats.org/drawingml/2006/chart" xmlns:mv="urn:schemas-microsoft-com:mac:vml" xmlns:mc="http://schemas.openxmlformats.org/markup-compatibility/2006" xmlns="" r:id="rId34" roundtripDataSignature="AMtx7mij1fsZUe5V3lBG5qQcqOvrI5UhJw=="/>
     </p:ext>
   </p:extLst>
 </p:presentation>
@@ -21521,7 +21521,7 @@
         <p:fade/>
       </p:transition>
     </mc:Choice>
-    <mc:Fallback xmlns="" xmlns:mv="urn:schemas-microsoft-com:mac:vml" xmlns:c="http://schemas.openxmlformats.org/drawingml/2006/chart" xmlns:dgm="http://schemas.openxmlformats.org/drawingml/2006/diagram" xmlns:o="urn:schemas-microsoft-com:office:office" xmlns:v="urn:schemas-microsoft-com:vml" xmlns:pvml="urn:schemas-microsoft-com:office:powerpoint" xmlns:com="http://schemas.openxmlformats.org/drawingml/2006/compatibility" xmlns:p15="http://schemas.microsoft.com/office/powerpoint/2012/main" xmlns:ahyp="http://schemas.microsoft.com/office/drawing/2018/hyperlinkcolor">
+    <mc:Fallback xmlns:ahyp="http://schemas.microsoft.com/office/drawing/2018/hyperlinkcolor" xmlns:p15="http://schemas.microsoft.com/office/powerpoint/2012/main" xmlns:com="http://schemas.openxmlformats.org/drawingml/2006/compatibility" xmlns:pvml="urn:schemas-microsoft-com:office:powerpoint" xmlns:v="urn:schemas-microsoft-com:vml" xmlns:o="urn:schemas-microsoft-com:office:office" xmlns:dgm="http://schemas.openxmlformats.org/drawingml/2006/diagram" xmlns:c="http://schemas.openxmlformats.org/drawingml/2006/chart" xmlns:mv="urn:schemas-microsoft-com:mac:vml" xmlns="">
       <p:transition spd="slow">
         <p:fade/>
       </p:transition>
@@ -21755,7 +21755,7 @@
         <p:fade/>
       </p:transition>
     </mc:Choice>
-    <mc:Fallback xmlns="" xmlns:mv="urn:schemas-microsoft-com:mac:vml" xmlns:c="http://schemas.openxmlformats.org/drawingml/2006/chart" xmlns:dgm="http://schemas.openxmlformats.org/drawingml/2006/diagram" xmlns:o="urn:schemas-microsoft-com:office:office" xmlns:v="urn:schemas-microsoft-com:vml" xmlns:pvml="urn:schemas-microsoft-com:office:powerpoint" xmlns:com="http://schemas.openxmlformats.org/drawingml/2006/compatibility" xmlns:p15="http://schemas.microsoft.com/office/powerpoint/2012/main" xmlns:ahyp="http://schemas.microsoft.com/office/drawing/2018/hyperlinkcolor">
+    <mc:Fallback xmlns:ahyp="http://schemas.microsoft.com/office/drawing/2018/hyperlinkcolor" xmlns:p15="http://schemas.microsoft.com/office/powerpoint/2012/main" xmlns:com="http://schemas.openxmlformats.org/drawingml/2006/compatibility" xmlns:pvml="urn:schemas-microsoft-com:office:powerpoint" xmlns:v="urn:schemas-microsoft-com:vml" xmlns:o="urn:schemas-microsoft-com:office:office" xmlns:dgm="http://schemas.openxmlformats.org/drawingml/2006/diagram" xmlns:c="http://schemas.openxmlformats.org/drawingml/2006/chart" xmlns:mv="urn:schemas-microsoft-com:mac:vml" xmlns="">
       <p:transition spd="slow">
         <p:fade/>
       </p:transition>
@@ -22152,7 +22152,7 @@
         <p:fade/>
       </p:transition>
     </mc:Choice>
-    <mc:Fallback xmlns="" xmlns:mv="urn:schemas-microsoft-com:mac:vml" xmlns:c="http://schemas.openxmlformats.org/drawingml/2006/chart" xmlns:dgm="http://schemas.openxmlformats.org/drawingml/2006/diagram" xmlns:o="urn:schemas-microsoft-com:office:office" xmlns:v="urn:schemas-microsoft-com:vml" xmlns:pvml="urn:schemas-microsoft-com:office:powerpoint" xmlns:com="http://schemas.openxmlformats.org/drawingml/2006/compatibility" xmlns:p15="http://schemas.microsoft.com/office/powerpoint/2012/main" xmlns:ahyp="http://schemas.microsoft.com/office/drawing/2018/hyperlinkcolor">
+    <mc:Fallback xmlns:ahyp="http://schemas.microsoft.com/office/drawing/2018/hyperlinkcolor" xmlns:p15="http://schemas.microsoft.com/office/powerpoint/2012/main" xmlns:com="http://schemas.openxmlformats.org/drawingml/2006/compatibility" xmlns:pvml="urn:schemas-microsoft-com:office:powerpoint" xmlns:v="urn:schemas-microsoft-com:vml" xmlns:o="urn:schemas-microsoft-com:office:office" xmlns:dgm="http://schemas.openxmlformats.org/drawingml/2006/diagram" xmlns:c="http://schemas.openxmlformats.org/drawingml/2006/chart" xmlns:mv="urn:schemas-microsoft-com:mac:vml" xmlns="">
       <p:transition spd="slow">
         <p:fade/>
       </p:transition>
@@ -22407,7 +22407,7 @@
         <p:fade/>
       </p:transition>
     </mc:Choice>
-    <mc:Fallback xmlns="" xmlns:mv="urn:schemas-microsoft-com:mac:vml" xmlns:c="http://schemas.openxmlformats.org/drawingml/2006/chart" xmlns:dgm="http://schemas.openxmlformats.org/drawingml/2006/diagram" xmlns:o="urn:schemas-microsoft-com:office:office" xmlns:v="urn:schemas-microsoft-com:vml" xmlns:pvml="urn:schemas-microsoft-com:office:powerpoint" xmlns:com="http://schemas.openxmlformats.org/drawingml/2006/compatibility" xmlns:p15="http://schemas.microsoft.com/office/powerpoint/2012/main" xmlns:ahyp="http://schemas.microsoft.com/office/drawing/2018/hyperlinkcolor">
+    <mc:Fallback xmlns:ahyp="http://schemas.microsoft.com/office/drawing/2018/hyperlinkcolor" xmlns:p15="http://schemas.microsoft.com/office/powerpoint/2012/main" xmlns:com="http://schemas.openxmlformats.org/drawingml/2006/compatibility" xmlns:pvml="urn:schemas-microsoft-com:office:powerpoint" xmlns:v="urn:schemas-microsoft-com:vml" xmlns:o="urn:schemas-microsoft-com:office:office" xmlns:dgm="http://schemas.openxmlformats.org/drawingml/2006/diagram" xmlns:c="http://schemas.openxmlformats.org/drawingml/2006/chart" xmlns:mv="urn:schemas-microsoft-com:mac:vml" xmlns="">
       <p:transition spd="slow">
         <p:fade/>
       </p:transition>
@@ -23324,7 +23324,7 @@
         <p:fade/>
       </p:transition>
     </mc:Choice>
-    <mc:Fallback xmlns="" xmlns:mv="urn:schemas-microsoft-com:mac:vml" xmlns:c="http://schemas.openxmlformats.org/drawingml/2006/chart" xmlns:dgm="http://schemas.openxmlformats.org/drawingml/2006/diagram" xmlns:o="urn:schemas-microsoft-com:office:office" xmlns:v="urn:schemas-microsoft-com:vml" xmlns:pvml="urn:schemas-microsoft-com:office:powerpoint" xmlns:com="http://schemas.openxmlformats.org/drawingml/2006/compatibility" xmlns:p15="http://schemas.microsoft.com/office/powerpoint/2012/main" xmlns:ahyp="http://schemas.microsoft.com/office/drawing/2018/hyperlinkcolor">
+    <mc:Fallback xmlns:ahyp="http://schemas.microsoft.com/office/drawing/2018/hyperlinkcolor" xmlns:p15="http://schemas.microsoft.com/office/powerpoint/2012/main" xmlns:com="http://schemas.openxmlformats.org/drawingml/2006/compatibility" xmlns:pvml="urn:schemas-microsoft-com:office:powerpoint" xmlns:v="urn:schemas-microsoft-com:vml" xmlns:o="urn:schemas-microsoft-com:office:office" xmlns:dgm="http://schemas.openxmlformats.org/drawingml/2006/diagram" xmlns:c="http://schemas.openxmlformats.org/drawingml/2006/chart" xmlns:mv="urn:schemas-microsoft-com:mac:vml" xmlns="">
       <p:transition spd="slow">
         <p:fade/>
       </p:transition>
@@ -24874,7 +24874,7 @@
         <p:fade/>
       </p:transition>
     </mc:Choice>
-    <mc:Fallback xmlns="" xmlns:mv="urn:schemas-microsoft-com:mac:vml" xmlns:c="http://schemas.openxmlformats.org/drawingml/2006/chart" xmlns:dgm="http://schemas.openxmlformats.org/drawingml/2006/diagram" xmlns:o="urn:schemas-microsoft-com:office:office" xmlns:v="urn:schemas-microsoft-com:vml" xmlns:pvml="urn:schemas-microsoft-com:office:powerpoint" xmlns:com="http://schemas.openxmlformats.org/drawingml/2006/compatibility" xmlns:p15="http://schemas.microsoft.com/office/powerpoint/2012/main" xmlns:ahyp="http://schemas.microsoft.com/office/drawing/2018/hyperlinkcolor">
+    <mc:Fallback xmlns:ahyp="http://schemas.microsoft.com/office/drawing/2018/hyperlinkcolor" xmlns:p15="http://schemas.microsoft.com/office/powerpoint/2012/main" xmlns:com="http://schemas.openxmlformats.org/drawingml/2006/compatibility" xmlns:pvml="urn:schemas-microsoft-com:office:powerpoint" xmlns:v="urn:schemas-microsoft-com:vml" xmlns:o="urn:schemas-microsoft-com:office:office" xmlns:dgm="http://schemas.openxmlformats.org/drawingml/2006/diagram" xmlns:c="http://schemas.openxmlformats.org/drawingml/2006/chart" xmlns:mv="urn:schemas-microsoft-com:mac:vml" xmlns="">
       <p:transition spd="slow">
         <p:fade/>
       </p:transition>
@@ -26528,7 +26528,7 @@
         <p:fade/>
       </p:transition>
     </mc:Choice>
-    <mc:Fallback xmlns="" xmlns:mv="urn:schemas-microsoft-com:mac:vml" xmlns:c="http://schemas.openxmlformats.org/drawingml/2006/chart" xmlns:dgm="http://schemas.openxmlformats.org/drawingml/2006/diagram" xmlns:o="urn:schemas-microsoft-com:office:office" xmlns:v="urn:schemas-microsoft-com:vml" xmlns:pvml="urn:schemas-microsoft-com:office:powerpoint" xmlns:com="http://schemas.openxmlformats.org/drawingml/2006/compatibility" xmlns:p15="http://schemas.microsoft.com/office/powerpoint/2012/main" xmlns:ahyp="http://schemas.microsoft.com/office/drawing/2018/hyperlinkcolor">
+    <mc:Fallback xmlns:ahyp="http://schemas.microsoft.com/office/drawing/2018/hyperlinkcolor" xmlns:p15="http://schemas.microsoft.com/office/powerpoint/2012/main" xmlns:com="http://schemas.openxmlformats.org/drawingml/2006/compatibility" xmlns:pvml="urn:schemas-microsoft-com:office:powerpoint" xmlns:v="urn:schemas-microsoft-com:vml" xmlns:o="urn:schemas-microsoft-com:office:office" xmlns:dgm="http://schemas.openxmlformats.org/drawingml/2006/diagram" xmlns:c="http://schemas.openxmlformats.org/drawingml/2006/chart" xmlns:mv="urn:schemas-microsoft-com:mac:vml" xmlns="">
       <p:transition spd="slow">
         <p:fade/>
       </p:transition>
@@ -27351,10 +27351,10 @@
       </p:sp>
       <p:pic>
         <p:nvPicPr>
-          <p:cNvPr id="13" name="Imagem 12">
+          <p:cNvPr id="14" name="Imagem 13">
             <a:extLst>
               <a:ext uri="{FF2B5EF4-FFF2-40B4-BE49-F238E27FC236}">
-                <a16:creationId xmlns:a16="http://schemas.microsoft.com/office/drawing/2014/main" id="{869FE389-4A58-49C3-8D88-CEAADE0E4788}"/>
+                <a16:creationId xmlns:a16="http://schemas.microsoft.com/office/drawing/2014/main" id="{551DCAD6-83C7-473F-BB7A-03E91EDF5A79}"/>
               </a:ext>
             </a:extLst>
           </p:cNvPr>
@@ -27371,8 +27371,8 @@
         </p:blipFill>
         <p:spPr>
           <a:xfrm>
-            <a:off x="7888407" y="3555365"/>
-            <a:ext cx="1098017" cy="1098017"/>
+            <a:off x="7196362" y="2461450"/>
+            <a:ext cx="1938293" cy="2349447"/>
           </a:xfrm>
           <a:prstGeom prst="rect">
             <a:avLst/>
@@ -27390,7 +27390,7 @@
         <p:fade/>
       </p:transition>
     </mc:Choice>
-    <mc:Fallback xmlns="" xmlns:mv="urn:schemas-microsoft-com:mac:vml" xmlns:c="http://schemas.openxmlformats.org/drawingml/2006/chart" xmlns:dgm="http://schemas.openxmlformats.org/drawingml/2006/diagram" xmlns:o="urn:schemas-microsoft-com:office:office" xmlns:v="urn:schemas-microsoft-com:vml" xmlns:pvml="urn:schemas-microsoft-com:office:powerpoint" xmlns:com="http://schemas.openxmlformats.org/drawingml/2006/compatibility" xmlns:p15="http://schemas.microsoft.com/office/powerpoint/2012/main" xmlns:ahyp="http://schemas.microsoft.com/office/drawing/2018/hyperlinkcolor">
+    <mc:Fallback xmlns:ahyp="http://schemas.microsoft.com/office/drawing/2018/hyperlinkcolor" xmlns:p15="http://schemas.microsoft.com/office/powerpoint/2012/main" xmlns:com="http://schemas.openxmlformats.org/drawingml/2006/compatibility" xmlns:pvml="urn:schemas-microsoft-com:office:powerpoint" xmlns:v="urn:schemas-microsoft-com:vml" xmlns:o="urn:schemas-microsoft-com:office:office" xmlns:dgm="http://schemas.openxmlformats.org/drawingml/2006/diagram" xmlns:c="http://schemas.openxmlformats.org/drawingml/2006/chart" xmlns:mv="urn:schemas-microsoft-com:mac:vml" xmlns="">
       <p:transition spd="slow">
         <p:fade/>
       </p:transition>

--- a/apresentacoes/Aula1/Etapa2-ConceituacaoDeMemoria/Etapa2.pptx
+++ b/apresentacoes/Aula1/Etapa2-ConceituacaoDeMemoria/Etapa2.pptx
@@ -303,7 +303,7 @@
       </p15:sldGuideLst>
     </p:ext>
     <p:ext uri="http://customooxmlschemas.google.com/">
-      <go:slidesCustomData xmlns:go="http://customooxmlschemas.google.com/" xmlns:ahyp="http://schemas.microsoft.com/office/drawing/2018/hyperlinkcolor" xmlns:p15="http://schemas.microsoft.com/office/powerpoint/2012/main" xmlns:p14="http://schemas.microsoft.com/office/powerpoint/2010/main" xmlns:com="http://schemas.openxmlformats.org/drawingml/2006/compatibility" xmlns:pvml="urn:schemas-microsoft-com:office:powerpoint" xmlns:v="urn:schemas-microsoft-com:vml" xmlns:o="urn:schemas-microsoft-com:office:office" xmlns:dgm="http://schemas.openxmlformats.org/drawingml/2006/diagram" xmlns:c="http://schemas.openxmlformats.org/drawingml/2006/chart" xmlns:mv="urn:schemas-microsoft-com:mac:vml" xmlns:mc="http://schemas.openxmlformats.org/markup-compatibility/2006" xmlns="" r:id="rId34" roundtripDataSignature="AMtx7mij1fsZUe5V3lBG5qQcqOvrI5UhJw=="/>
+      <go:slidesCustomData xmlns="" xmlns:mc="http://schemas.openxmlformats.org/markup-compatibility/2006" xmlns:mv="urn:schemas-microsoft-com:mac:vml" xmlns:c="http://schemas.openxmlformats.org/drawingml/2006/chart" xmlns:dgm="http://schemas.openxmlformats.org/drawingml/2006/diagram" xmlns:o="urn:schemas-microsoft-com:office:office" xmlns:v="urn:schemas-microsoft-com:vml" xmlns:pvml="urn:schemas-microsoft-com:office:powerpoint" xmlns:com="http://schemas.openxmlformats.org/drawingml/2006/compatibility" xmlns:p14="http://schemas.microsoft.com/office/powerpoint/2010/main" xmlns:p15="http://schemas.microsoft.com/office/powerpoint/2012/main" xmlns:ahyp="http://schemas.microsoft.com/office/drawing/2018/hyperlinkcolor" xmlns:go="http://customooxmlschemas.google.com/" r:id="rId34" roundtripDataSignature="AMtx7mij1fsZUe5V3lBG5qQcqOvrI5UhJw=="/>
     </p:ext>
   </p:extLst>
 </p:presentation>
@@ -21521,7 +21521,7 @@
         <p:fade/>
       </p:transition>
     </mc:Choice>
-    <mc:Fallback xmlns:ahyp="http://schemas.microsoft.com/office/drawing/2018/hyperlinkcolor" xmlns:p15="http://schemas.microsoft.com/office/powerpoint/2012/main" xmlns:com="http://schemas.openxmlformats.org/drawingml/2006/compatibility" xmlns:pvml="urn:schemas-microsoft-com:office:powerpoint" xmlns:v="urn:schemas-microsoft-com:vml" xmlns:o="urn:schemas-microsoft-com:office:office" xmlns:dgm="http://schemas.openxmlformats.org/drawingml/2006/diagram" xmlns:c="http://schemas.openxmlformats.org/drawingml/2006/chart" xmlns:mv="urn:schemas-microsoft-com:mac:vml" xmlns="">
+    <mc:Fallback xmlns="" xmlns:mv="urn:schemas-microsoft-com:mac:vml" xmlns:c="http://schemas.openxmlformats.org/drawingml/2006/chart" xmlns:dgm="http://schemas.openxmlformats.org/drawingml/2006/diagram" xmlns:o="urn:schemas-microsoft-com:office:office" xmlns:v="urn:schemas-microsoft-com:vml" xmlns:pvml="urn:schemas-microsoft-com:office:powerpoint" xmlns:com="http://schemas.openxmlformats.org/drawingml/2006/compatibility" xmlns:p15="http://schemas.microsoft.com/office/powerpoint/2012/main" xmlns:ahyp="http://schemas.microsoft.com/office/drawing/2018/hyperlinkcolor">
       <p:transition spd="slow">
         <p:fade/>
       </p:transition>
@@ -21736,7 +21736,7 @@
         </p:blipFill>
         <p:spPr>
           <a:xfrm>
-            <a:off x="2609185" y="875625"/>
+            <a:off x="1067459" y="875625"/>
             <a:ext cx="4499787" cy="4144541"/>
           </a:xfrm>
           <a:prstGeom prst="rect">
@@ -21755,7 +21755,7 @@
         <p:fade/>
       </p:transition>
     </mc:Choice>
-    <mc:Fallback xmlns:ahyp="http://schemas.microsoft.com/office/drawing/2018/hyperlinkcolor" xmlns:p15="http://schemas.microsoft.com/office/powerpoint/2012/main" xmlns:com="http://schemas.openxmlformats.org/drawingml/2006/compatibility" xmlns:pvml="urn:schemas-microsoft-com:office:powerpoint" xmlns:v="urn:schemas-microsoft-com:vml" xmlns:o="urn:schemas-microsoft-com:office:office" xmlns:dgm="http://schemas.openxmlformats.org/drawingml/2006/diagram" xmlns:c="http://schemas.openxmlformats.org/drawingml/2006/chart" xmlns:mv="urn:schemas-microsoft-com:mac:vml" xmlns="">
+    <mc:Fallback xmlns="" xmlns:mv="urn:schemas-microsoft-com:mac:vml" xmlns:c="http://schemas.openxmlformats.org/drawingml/2006/chart" xmlns:dgm="http://schemas.openxmlformats.org/drawingml/2006/diagram" xmlns:o="urn:schemas-microsoft-com:office:office" xmlns:v="urn:schemas-microsoft-com:vml" xmlns:pvml="urn:schemas-microsoft-com:office:powerpoint" xmlns:com="http://schemas.openxmlformats.org/drawingml/2006/compatibility" xmlns:p15="http://schemas.microsoft.com/office/powerpoint/2012/main" xmlns:ahyp="http://schemas.microsoft.com/office/drawing/2018/hyperlinkcolor">
       <p:transition spd="slow">
         <p:fade/>
       </p:transition>
@@ -22046,8 +22046,8 @@
         </p:blipFill>
         <p:spPr>
           <a:xfrm>
-            <a:off x="5486400" y="2169062"/>
-            <a:ext cx="3657600" cy="2937305"/>
+            <a:off x="4297107" y="1144729"/>
+            <a:ext cx="2294193" cy="1842395"/>
           </a:xfrm>
           <a:prstGeom prst="rect">
             <a:avLst/>
@@ -22152,7 +22152,7 @@
         <p:fade/>
       </p:transition>
     </mc:Choice>
-    <mc:Fallback xmlns:ahyp="http://schemas.microsoft.com/office/drawing/2018/hyperlinkcolor" xmlns:p15="http://schemas.microsoft.com/office/powerpoint/2012/main" xmlns:com="http://schemas.openxmlformats.org/drawingml/2006/compatibility" xmlns:pvml="urn:schemas-microsoft-com:office:powerpoint" xmlns:v="urn:schemas-microsoft-com:vml" xmlns:o="urn:schemas-microsoft-com:office:office" xmlns:dgm="http://schemas.openxmlformats.org/drawingml/2006/diagram" xmlns:c="http://schemas.openxmlformats.org/drawingml/2006/chart" xmlns:mv="urn:schemas-microsoft-com:mac:vml" xmlns="">
+    <mc:Fallback xmlns="" xmlns:mv="urn:schemas-microsoft-com:mac:vml" xmlns:c="http://schemas.openxmlformats.org/drawingml/2006/chart" xmlns:dgm="http://schemas.openxmlformats.org/drawingml/2006/diagram" xmlns:o="urn:schemas-microsoft-com:office:office" xmlns:v="urn:schemas-microsoft-com:vml" xmlns:pvml="urn:schemas-microsoft-com:office:powerpoint" xmlns:com="http://schemas.openxmlformats.org/drawingml/2006/compatibility" xmlns:p15="http://schemas.microsoft.com/office/powerpoint/2012/main" xmlns:ahyp="http://schemas.microsoft.com/office/drawing/2018/hyperlinkcolor">
       <p:transition spd="slow">
         <p:fade/>
       </p:transition>
@@ -22407,7 +22407,7 @@
         <p:fade/>
       </p:transition>
     </mc:Choice>
-    <mc:Fallback xmlns:ahyp="http://schemas.microsoft.com/office/drawing/2018/hyperlinkcolor" xmlns:p15="http://schemas.microsoft.com/office/powerpoint/2012/main" xmlns:com="http://schemas.openxmlformats.org/drawingml/2006/compatibility" xmlns:pvml="urn:schemas-microsoft-com:office:powerpoint" xmlns:v="urn:schemas-microsoft-com:vml" xmlns:o="urn:schemas-microsoft-com:office:office" xmlns:dgm="http://schemas.openxmlformats.org/drawingml/2006/diagram" xmlns:c="http://schemas.openxmlformats.org/drawingml/2006/chart" xmlns:mv="urn:schemas-microsoft-com:mac:vml" xmlns="">
+    <mc:Fallback xmlns="" xmlns:mv="urn:schemas-microsoft-com:mac:vml" xmlns:c="http://schemas.openxmlformats.org/drawingml/2006/chart" xmlns:dgm="http://schemas.openxmlformats.org/drawingml/2006/diagram" xmlns:o="urn:schemas-microsoft-com:office:office" xmlns:v="urn:schemas-microsoft-com:vml" xmlns:pvml="urn:schemas-microsoft-com:office:powerpoint" xmlns:com="http://schemas.openxmlformats.org/drawingml/2006/compatibility" xmlns:p15="http://schemas.microsoft.com/office/powerpoint/2012/main" xmlns:ahyp="http://schemas.microsoft.com/office/drawing/2018/hyperlinkcolor">
       <p:transition spd="slow">
         <p:fade/>
       </p:transition>
@@ -23324,7 +23324,7 @@
         <p:fade/>
       </p:transition>
     </mc:Choice>
-    <mc:Fallback xmlns:ahyp="http://schemas.microsoft.com/office/drawing/2018/hyperlinkcolor" xmlns:p15="http://schemas.microsoft.com/office/powerpoint/2012/main" xmlns:com="http://schemas.openxmlformats.org/drawingml/2006/compatibility" xmlns:pvml="urn:schemas-microsoft-com:office:powerpoint" xmlns:v="urn:schemas-microsoft-com:vml" xmlns:o="urn:schemas-microsoft-com:office:office" xmlns:dgm="http://schemas.openxmlformats.org/drawingml/2006/diagram" xmlns:c="http://schemas.openxmlformats.org/drawingml/2006/chart" xmlns:mv="urn:schemas-microsoft-com:mac:vml" xmlns="">
+    <mc:Fallback xmlns="" xmlns:mv="urn:schemas-microsoft-com:mac:vml" xmlns:c="http://schemas.openxmlformats.org/drawingml/2006/chart" xmlns:dgm="http://schemas.openxmlformats.org/drawingml/2006/diagram" xmlns:o="urn:schemas-microsoft-com:office:office" xmlns:v="urn:schemas-microsoft-com:vml" xmlns:pvml="urn:schemas-microsoft-com:office:powerpoint" xmlns:com="http://schemas.openxmlformats.org/drawingml/2006/compatibility" xmlns:p15="http://schemas.microsoft.com/office/powerpoint/2012/main" xmlns:ahyp="http://schemas.microsoft.com/office/drawing/2018/hyperlinkcolor">
       <p:transition spd="slow">
         <p:fade/>
       </p:transition>
@@ -24874,7 +24874,7 @@
         <p:fade/>
       </p:transition>
     </mc:Choice>
-    <mc:Fallback xmlns:ahyp="http://schemas.microsoft.com/office/drawing/2018/hyperlinkcolor" xmlns:p15="http://schemas.microsoft.com/office/powerpoint/2012/main" xmlns:com="http://schemas.openxmlformats.org/drawingml/2006/compatibility" xmlns:pvml="urn:schemas-microsoft-com:office:powerpoint" xmlns:v="urn:schemas-microsoft-com:vml" xmlns:o="urn:schemas-microsoft-com:office:office" xmlns:dgm="http://schemas.openxmlformats.org/drawingml/2006/diagram" xmlns:c="http://schemas.openxmlformats.org/drawingml/2006/chart" xmlns:mv="urn:schemas-microsoft-com:mac:vml" xmlns="">
+    <mc:Fallback xmlns="" xmlns:mv="urn:schemas-microsoft-com:mac:vml" xmlns:c="http://schemas.openxmlformats.org/drawingml/2006/chart" xmlns:dgm="http://schemas.openxmlformats.org/drawingml/2006/diagram" xmlns:o="urn:schemas-microsoft-com:office:office" xmlns:v="urn:schemas-microsoft-com:vml" xmlns:pvml="urn:schemas-microsoft-com:office:powerpoint" xmlns:com="http://schemas.openxmlformats.org/drawingml/2006/compatibility" xmlns:p15="http://schemas.microsoft.com/office/powerpoint/2012/main" xmlns:ahyp="http://schemas.microsoft.com/office/drawing/2018/hyperlinkcolor">
       <p:transition spd="slow">
         <p:fade/>
       </p:transition>
@@ -26528,7 +26528,7 @@
         <p:fade/>
       </p:transition>
     </mc:Choice>
-    <mc:Fallback xmlns:ahyp="http://schemas.microsoft.com/office/drawing/2018/hyperlinkcolor" xmlns:p15="http://schemas.microsoft.com/office/powerpoint/2012/main" xmlns:com="http://schemas.openxmlformats.org/drawingml/2006/compatibility" xmlns:pvml="urn:schemas-microsoft-com:office:powerpoint" xmlns:v="urn:schemas-microsoft-com:vml" xmlns:o="urn:schemas-microsoft-com:office:office" xmlns:dgm="http://schemas.openxmlformats.org/drawingml/2006/diagram" xmlns:c="http://schemas.openxmlformats.org/drawingml/2006/chart" xmlns:mv="urn:schemas-microsoft-com:mac:vml" xmlns="">
+    <mc:Fallback xmlns="" xmlns:mv="urn:schemas-microsoft-com:mac:vml" xmlns:c="http://schemas.openxmlformats.org/drawingml/2006/chart" xmlns:dgm="http://schemas.openxmlformats.org/drawingml/2006/diagram" xmlns:o="urn:schemas-microsoft-com:office:office" xmlns:v="urn:schemas-microsoft-com:vml" xmlns:pvml="urn:schemas-microsoft-com:office:powerpoint" xmlns:com="http://schemas.openxmlformats.org/drawingml/2006/compatibility" xmlns:p15="http://schemas.microsoft.com/office/powerpoint/2012/main" xmlns:ahyp="http://schemas.microsoft.com/office/drawing/2018/hyperlinkcolor">
       <p:transition spd="slow">
         <p:fade/>
       </p:transition>
@@ -27371,7 +27371,7 @@
         </p:blipFill>
         <p:spPr>
           <a:xfrm>
-            <a:off x="7196362" y="2461450"/>
+            <a:off x="7196362" y="122279"/>
             <a:ext cx="1938293" cy="2349447"/>
           </a:xfrm>
           <a:prstGeom prst="rect">
@@ -27390,7 +27390,7 @@
         <p:fade/>
       </p:transition>
     </mc:Choice>
-    <mc:Fallback xmlns:ahyp="http://schemas.microsoft.com/office/drawing/2018/hyperlinkcolor" xmlns:p15="http://schemas.microsoft.com/office/powerpoint/2012/main" xmlns:com="http://schemas.openxmlformats.org/drawingml/2006/compatibility" xmlns:pvml="urn:schemas-microsoft-com:office:powerpoint" xmlns:v="urn:schemas-microsoft-com:vml" xmlns:o="urn:schemas-microsoft-com:office:office" xmlns:dgm="http://schemas.openxmlformats.org/drawingml/2006/diagram" xmlns:c="http://schemas.openxmlformats.org/drawingml/2006/chart" xmlns:mv="urn:schemas-microsoft-com:mac:vml" xmlns="">
+    <mc:Fallback xmlns="" xmlns:mv="urn:schemas-microsoft-com:mac:vml" xmlns:c="http://schemas.openxmlformats.org/drawingml/2006/chart" xmlns:dgm="http://schemas.openxmlformats.org/drawingml/2006/diagram" xmlns:o="urn:schemas-microsoft-com:office:office" xmlns:v="urn:schemas-microsoft-com:vml" xmlns:pvml="urn:schemas-microsoft-com:office:powerpoint" xmlns:com="http://schemas.openxmlformats.org/drawingml/2006/compatibility" xmlns:p15="http://schemas.microsoft.com/office/powerpoint/2012/main" xmlns:ahyp="http://schemas.microsoft.com/office/drawing/2018/hyperlinkcolor">
       <p:transition spd="slow">
         <p:fade/>
       </p:transition>
